--- a/day_01/documents/FastAPI.Lecture01.pptx
+++ b/day_01/documents/FastAPI.Lecture01.pptx
@@ -3584,7 +3584,7 @@
         <p:fade/>
       </p:transition>
     </mc:Choice>
-    <mc:Fallback xmlns="" xmlns:mv="urn:schemas-microsoft-com:mac:vml" xmlns:c="http://schemas.openxmlformats.org/drawingml/2006/chart" xmlns:dgm="http://schemas.openxmlformats.org/drawingml/2006/diagram" xmlns:o="urn:schemas-microsoft-com:office:office" xmlns:v="urn:schemas-microsoft-com:vml" xmlns:pvml="urn:schemas-microsoft-com:office:powerpoint" xmlns:com="http://schemas.openxmlformats.org/drawingml/2006/compatibility" xmlns:p15="http://schemas.microsoft.com/office/powerpoint/2012/main">
+    <mc:Fallback xmlns:p15="http://schemas.microsoft.com/office/powerpoint/2012/main" xmlns:com="http://schemas.openxmlformats.org/drawingml/2006/compatibility" xmlns:pvml="urn:schemas-microsoft-com:office:powerpoint" xmlns:v="urn:schemas-microsoft-com:vml" xmlns:o="urn:schemas-microsoft-com:office:office" xmlns:dgm="http://schemas.openxmlformats.org/drawingml/2006/diagram" xmlns:c="http://schemas.openxmlformats.org/drawingml/2006/chart" xmlns:mv="urn:schemas-microsoft-com:mac:vml" xmlns="">
       <p:transition>
         <p:fade/>
       </p:transition>
@@ -5065,7 +5065,7 @@
         <p:fade/>
       </p:transition>
     </mc:Choice>
-    <mc:Fallback xmlns="" xmlns:mv="urn:schemas-microsoft-com:mac:vml" xmlns:c="http://schemas.openxmlformats.org/drawingml/2006/chart" xmlns:dgm="http://schemas.openxmlformats.org/drawingml/2006/diagram" xmlns:o="urn:schemas-microsoft-com:office:office" xmlns:v="urn:schemas-microsoft-com:vml" xmlns:pvml="urn:schemas-microsoft-com:office:powerpoint" xmlns:com="http://schemas.openxmlformats.org/drawingml/2006/compatibility" xmlns:p15="http://schemas.microsoft.com/office/powerpoint/2012/main">
+    <mc:Fallback xmlns:p15="http://schemas.microsoft.com/office/powerpoint/2012/main" xmlns:com="http://schemas.openxmlformats.org/drawingml/2006/compatibility" xmlns:pvml="urn:schemas-microsoft-com:office:powerpoint" xmlns:v="urn:schemas-microsoft-com:vml" xmlns:o="urn:schemas-microsoft-com:office:office" xmlns:dgm="http://schemas.openxmlformats.org/drawingml/2006/diagram" xmlns:c="http://schemas.openxmlformats.org/drawingml/2006/chart" xmlns:mv="urn:schemas-microsoft-com:mac:vml" xmlns="">
       <p:transition>
         <p:fade/>
       </p:transition>
@@ -7294,7 +7294,7 @@
         <p:fade/>
       </p:transition>
     </mc:Choice>
-    <mc:Fallback xmlns="" xmlns:mv="urn:schemas-microsoft-com:mac:vml" xmlns:c="http://schemas.openxmlformats.org/drawingml/2006/chart" xmlns:dgm="http://schemas.openxmlformats.org/drawingml/2006/diagram" xmlns:o="urn:schemas-microsoft-com:office:office" xmlns:v="urn:schemas-microsoft-com:vml" xmlns:pvml="urn:schemas-microsoft-com:office:powerpoint" xmlns:com="http://schemas.openxmlformats.org/drawingml/2006/compatibility" xmlns:p15="http://schemas.microsoft.com/office/powerpoint/2012/main">
+    <mc:Fallback xmlns:p15="http://schemas.microsoft.com/office/powerpoint/2012/main" xmlns:com="http://schemas.openxmlformats.org/drawingml/2006/compatibility" xmlns:pvml="urn:schemas-microsoft-com:office:powerpoint" xmlns:v="urn:schemas-microsoft-com:vml" xmlns:o="urn:schemas-microsoft-com:office:office" xmlns:dgm="http://schemas.openxmlformats.org/drawingml/2006/diagram" xmlns:c="http://schemas.openxmlformats.org/drawingml/2006/chart" xmlns:mv="urn:schemas-microsoft-com:mac:vml" xmlns="">
       <p:transition>
         <p:fade/>
       </p:transition>
@@ -9995,7 +9995,7 @@
         <p:fade/>
       </p:transition>
     </mc:Choice>
-    <mc:Fallback xmlns="" xmlns:mv="urn:schemas-microsoft-com:mac:vml" xmlns:c="http://schemas.openxmlformats.org/drawingml/2006/chart" xmlns:dgm="http://schemas.openxmlformats.org/drawingml/2006/diagram" xmlns:o="urn:schemas-microsoft-com:office:office" xmlns:v="urn:schemas-microsoft-com:vml" xmlns:pvml="urn:schemas-microsoft-com:office:powerpoint" xmlns:com="http://schemas.openxmlformats.org/drawingml/2006/compatibility" xmlns:p15="http://schemas.microsoft.com/office/powerpoint/2012/main">
+    <mc:Fallback xmlns:p15="http://schemas.microsoft.com/office/powerpoint/2012/main" xmlns:com="http://schemas.openxmlformats.org/drawingml/2006/compatibility" xmlns:pvml="urn:schemas-microsoft-com:office:powerpoint" xmlns:v="urn:schemas-microsoft-com:vml" xmlns:o="urn:schemas-microsoft-com:office:office" xmlns:dgm="http://schemas.openxmlformats.org/drawingml/2006/diagram" xmlns:c="http://schemas.openxmlformats.org/drawingml/2006/chart" xmlns:mv="urn:schemas-microsoft-com:mac:vml" xmlns="">
       <p:transition>
         <p:fade/>
       </p:transition>
@@ -12526,7 +12526,7 @@
         <p:fade/>
       </p:transition>
     </mc:Choice>
-    <mc:Fallback xmlns="" xmlns:mv="urn:schemas-microsoft-com:mac:vml" xmlns:c="http://schemas.openxmlformats.org/drawingml/2006/chart" xmlns:dgm="http://schemas.openxmlformats.org/drawingml/2006/diagram" xmlns:o="urn:schemas-microsoft-com:office:office" xmlns:v="urn:schemas-microsoft-com:vml" xmlns:pvml="urn:schemas-microsoft-com:office:powerpoint" xmlns:com="http://schemas.openxmlformats.org/drawingml/2006/compatibility" xmlns:p15="http://schemas.microsoft.com/office/powerpoint/2012/main">
+    <mc:Fallback xmlns:p15="http://schemas.microsoft.com/office/powerpoint/2012/main" xmlns:com="http://schemas.openxmlformats.org/drawingml/2006/compatibility" xmlns:pvml="urn:schemas-microsoft-com:office:powerpoint" xmlns:v="urn:schemas-microsoft-com:vml" xmlns:o="urn:schemas-microsoft-com:office:office" xmlns:dgm="http://schemas.openxmlformats.org/drawingml/2006/diagram" xmlns:c="http://schemas.openxmlformats.org/drawingml/2006/chart" xmlns:mv="urn:schemas-microsoft-com:mac:vml" xmlns="">
       <p:transition>
         <p:fade/>
       </p:transition>
@@ -13456,7 +13456,7 @@
         <p:fade/>
       </p:transition>
     </mc:Choice>
-    <mc:Fallback xmlns="" xmlns:mv="urn:schemas-microsoft-com:mac:vml" xmlns:c="http://schemas.openxmlformats.org/drawingml/2006/chart" xmlns:dgm="http://schemas.openxmlformats.org/drawingml/2006/diagram" xmlns:o="urn:schemas-microsoft-com:office:office" xmlns:v="urn:schemas-microsoft-com:vml" xmlns:pvml="urn:schemas-microsoft-com:office:powerpoint" xmlns:com="http://schemas.openxmlformats.org/drawingml/2006/compatibility" xmlns:p15="http://schemas.microsoft.com/office/powerpoint/2012/main">
+    <mc:Fallback xmlns:p15="http://schemas.microsoft.com/office/powerpoint/2012/main" xmlns:com="http://schemas.openxmlformats.org/drawingml/2006/compatibility" xmlns:pvml="urn:schemas-microsoft-com:office:powerpoint" xmlns:v="urn:schemas-microsoft-com:vml" xmlns:o="urn:schemas-microsoft-com:office:office" xmlns:dgm="http://schemas.openxmlformats.org/drawingml/2006/diagram" xmlns:c="http://schemas.openxmlformats.org/drawingml/2006/chart" xmlns:mv="urn:schemas-microsoft-com:mac:vml" xmlns="">
       <p:transition>
         <p:fade/>
       </p:transition>
@@ -14894,17 +14894,16 @@
               <a:rPr lang="en-US" altLang="ko-KR" dirty="0" err="1"/>
               <a:t>day_one</a:t>
             </a:r>
-            <a:endParaRPr lang="en-US" altLang="ko-KR" dirty="0"/>
+            <a:r>
+              <a:rPr lang="en-US" altLang="ko-KR" dirty="0"/>
+              <a:t>/practicum</a:t>
+            </a:r>
           </a:p>
           <a:p>
             <a:pPr lvl="1"/>
             <a:r>
-              <a:rPr lang="en-US" altLang="ko-KR" dirty="0" err="1"/>
-              <a:t>day_one</a:t>
-            </a:r>
-            <a:r>
               <a:rPr lang="en-US" altLang="ko-KR" dirty="0"/>
-              <a:t>] python web_service.py </a:t>
+              <a:t>practicum] python web_service.py </a:t>
             </a:r>
           </a:p>
           <a:p>
